--- a/DS.pptx
+++ b/DS.pptx
@@ -5,8 +5,8 @@
     <p:sldMasterId id="2147483648" r:id="rId1"/>
   </p:sldMasterIdLst>
   <p:sldIdLst>
-    <p:sldId id="256" r:id="rId2"/>
-    <p:sldId id="257" r:id="rId3"/>
+    <p:sldId id="257" r:id="rId2"/>
+    <p:sldId id="258" r:id="rId3"/>
   </p:sldIdLst>
   <p:sldSz cx="12192000" cy="6858000"/>
   <p:notesSz cx="6858000" cy="9144000"/>
@@ -2967,46 +2967,360 @@
       </p:grpSpPr>
       <p:sp>
         <p:nvSpPr>
-          <p:cNvPr id="2" name="标题 1"/>
-          <p:cNvSpPr>
-            <a:spLocks noGrp="1"/>
-          </p:cNvSpPr>
-          <p:nvPr>
-            <p:ph type="ctrTitle"/>
-          </p:nvPr>
-        </p:nvSpPr>
-        <p:spPr/>
-        <p:txBody>
-          <a:bodyPr/>
-          <a:lstStyle/>
-          <a:p>
-            <a:endParaRPr lang="zh-CN" altLang="en-US"/>
-          </a:p>
-        </p:txBody>
-      </p:sp>
-      <p:sp>
-        <p:nvSpPr>
-          <p:cNvPr id="3" name="副标题 2"/>
-          <p:cNvSpPr>
-            <a:spLocks noGrp="1"/>
-          </p:cNvSpPr>
-          <p:nvPr>
-            <p:ph type="subTitle" idx="1"/>
-          </p:nvPr>
-        </p:nvSpPr>
-        <p:spPr/>
-        <p:txBody>
-          <a:bodyPr/>
-          <a:lstStyle/>
-          <a:p>
-            <a:endParaRPr lang="zh-CN" altLang="en-US"/>
+          <p:cNvPr id="4" name="矩形 3"/>
+          <p:cNvSpPr/>
+          <p:nvPr/>
+        </p:nvSpPr>
+        <p:spPr>
+          <a:xfrm>
+            <a:off x="3625551" y="2183802"/>
+            <a:ext cx="5421854" cy="613186"/>
+          </a:xfrm>
+          <a:prstGeom prst="rect">
+            <a:avLst/>
+          </a:prstGeom>
+        </p:spPr>
+        <p:style>
+          <a:lnRef idx="2">
+            <a:schemeClr val="accent1">
+              <a:shade val="50000"/>
+            </a:schemeClr>
+          </a:lnRef>
+          <a:fillRef idx="1">
+            <a:schemeClr val="accent1"/>
+          </a:fillRef>
+          <a:effectRef idx="0">
+            <a:schemeClr val="accent1"/>
+          </a:effectRef>
+          <a:fontRef idx="minor">
+            <a:schemeClr val="lt1"/>
+          </a:fontRef>
+        </p:style>
+        <p:txBody>
+          <a:bodyPr rtlCol="0" anchor="ctr"/>
+          <a:lstStyle/>
+          <a:p>
+            <a:pPr algn="ctr"/>
+            <a:r>
+              <a:rPr lang="en-US" altLang="zh-CN" dirty="0" smtClean="0"/>
+              <a:t>fields</a:t>
+            </a:r>
+            <a:endParaRPr lang="zh-CN" altLang="en-US" dirty="0"/>
+          </a:p>
+        </p:txBody>
+      </p:sp>
+      <p:sp>
+        <p:nvSpPr>
+          <p:cNvPr id="5" name="矩形 4"/>
+          <p:cNvSpPr/>
+          <p:nvPr/>
+        </p:nvSpPr>
+        <p:spPr>
+          <a:xfrm>
+            <a:off x="3625551" y="2796988"/>
+            <a:ext cx="1032734" cy="623943"/>
+          </a:xfrm>
+          <a:prstGeom prst="rect">
+            <a:avLst/>
+          </a:prstGeom>
+        </p:spPr>
+        <p:style>
+          <a:lnRef idx="2">
+            <a:schemeClr val="accent1">
+              <a:shade val="50000"/>
+            </a:schemeClr>
+          </a:lnRef>
+          <a:fillRef idx="1">
+            <a:schemeClr val="accent1"/>
+          </a:fillRef>
+          <a:effectRef idx="0">
+            <a:schemeClr val="accent1"/>
+          </a:effectRef>
+          <a:fontRef idx="minor">
+            <a:schemeClr val="lt1"/>
+          </a:fontRef>
+        </p:style>
+        <p:txBody>
+          <a:bodyPr rtlCol="0" anchor="ctr"/>
+          <a:lstStyle/>
+          <a:p>
+            <a:pPr algn="ctr"/>
+            <a:r>
+              <a:rPr lang="en-US" altLang="zh-CN" dirty="0" smtClean="0"/>
+              <a:t>field</a:t>
+            </a:r>
+            <a:endParaRPr lang="zh-CN" altLang="en-US" dirty="0"/>
+          </a:p>
+        </p:txBody>
+      </p:sp>
+      <p:sp>
+        <p:nvSpPr>
+          <p:cNvPr id="6" name="矩形 5"/>
+          <p:cNvSpPr/>
+          <p:nvPr/>
+        </p:nvSpPr>
+        <p:spPr>
+          <a:xfrm>
+            <a:off x="5669503" y="2796988"/>
+            <a:ext cx="1032734" cy="623943"/>
+          </a:xfrm>
+          <a:prstGeom prst="rect">
+            <a:avLst/>
+          </a:prstGeom>
+        </p:spPr>
+        <p:style>
+          <a:lnRef idx="2">
+            <a:schemeClr val="accent1">
+              <a:shade val="50000"/>
+            </a:schemeClr>
+          </a:lnRef>
+          <a:fillRef idx="1">
+            <a:schemeClr val="accent1"/>
+          </a:fillRef>
+          <a:effectRef idx="0">
+            <a:schemeClr val="accent1"/>
+          </a:effectRef>
+          <a:fontRef idx="minor">
+            <a:schemeClr val="lt1"/>
+          </a:fontRef>
+        </p:style>
+        <p:txBody>
+          <a:bodyPr rtlCol="0" anchor="ctr"/>
+          <a:lstStyle/>
+          <a:p>
+            <a:pPr algn="ctr"/>
+            <a:r>
+              <a:rPr lang="en-US" altLang="zh-CN" dirty="0" smtClean="0"/>
+              <a:t>field</a:t>
+            </a:r>
+            <a:endParaRPr lang="zh-CN" altLang="en-US" dirty="0"/>
+          </a:p>
+        </p:txBody>
+      </p:sp>
+      <p:sp>
+        <p:nvSpPr>
+          <p:cNvPr id="7" name="矩形 6"/>
+          <p:cNvSpPr/>
+          <p:nvPr/>
+        </p:nvSpPr>
+        <p:spPr>
+          <a:xfrm>
+            <a:off x="8014671" y="2796988"/>
+            <a:ext cx="1032734" cy="623943"/>
+          </a:xfrm>
+          <a:prstGeom prst="rect">
+            <a:avLst/>
+          </a:prstGeom>
+        </p:spPr>
+        <p:style>
+          <a:lnRef idx="2">
+            <a:schemeClr val="accent1">
+              <a:shade val="50000"/>
+            </a:schemeClr>
+          </a:lnRef>
+          <a:fillRef idx="1">
+            <a:schemeClr val="accent1"/>
+          </a:fillRef>
+          <a:effectRef idx="0">
+            <a:schemeClr val="accent1"/>
+          </a:effectRef>
+          <a:fontRef idx="minor">
+            <a:schemeClr val="lt1"/>
+          </a:fontRef>
+        </p:style>
+        <p:txBody>
+          <a:bodyPr rtlCol="0" anchor="ctr"/>
+          <a:lstStyle/>
+          <a:p>
+            <a:pPr algn="ctr"/>
+            <a:r>
+              <a:rPr lang="en-US" altLang="zh-CN" dirty="0" smtClean="0"/>
+              <a:t>field</a:t>
+            </a:r>
+            <a:endParaRPr lang="zh-CN" altLang="en-US" dirty="0"/>
+          </a:p>
+        </p:txBody>
+      </p:sp>
+      <p:sp>
+        <p:nvSpPr>
+          <p:cNvPr id="8" name="矩形 7"/>
+          <p:cNvSpPr/>
+          <p:nvPr/>
+        </p:nvSpPr>
+        <p:spPr>
+          <a:xfrm>
+            <a:off x="4658285" y="2796988"/>
+            <a:ext cx="1032734" cy="623943"/>
+          </a:xfrm>
+          <a:prstGeom prst="rect">
+            <a:avLst/>
+          </a:prstGeom>
+        </p:spPr>
+        <p:style>
+          <a:lnRef idx="2">
+            <a:schemeClr val="accent1">
+              <a:shade val="50000"/>
+            </a:schemeClr>
+          </a:lnRef>
+          <a:fillRef idx="1">
+            <a:schemeClr val="accent1"/>
+          </a:fillRef>
+          <a:effectRef idx="0">
+            <a:schemeClr val="accent1"/>
+          </a:effectRef>
+          <a:fontRef idx="minor">
+            <a:schemeClr val="lt1"/>
+          </a:fontRef>
+        </p:style>
+        <p:txBody>
+          <a:bodyPr rtlCol="0" anchor="ctr"/>
+          <a:lstStyle/>
+          <a:p>
+            <a:pPr algn="ctr"/>
+            <a:r>
+              <a:rPr lang="en-US" altLang="zh-CN" dirty="0" smtClean="0"/>
+              <a:t>field</a:t>
+            </a:r>
+            <a:endParaRPr lang="zh-CN" altLang="en-US" dirty="0"/>
+          </a:p>
+        </p:txBody>
+      </p:sp>
+      <p:sp>
+        <p:nvSpPr>
+          <p:cNvPr id="9" name="矩形 8"/>
+          <p:cNvSpPr/>
+          <p:nvPr/>
+        </p:nvSpPr>
+        <p:spPr>
+          <a:xfrm>
+            <a:off x="913503" y="3420931"/>
+            <a:ext cx="774550" cy="2850777"/>
+          </a:xfrm>
+          <a:prstGeom prst="rect">
+            <a:avLst/>
+          </a:prstGeom>
+        </p:spPr>
+        <p:style>
+          <a:lnRef idx="2">
+            <a:schemeClr val="accent1">
+              <a:shade val="50000"/>
+            </a:schemeClr>
+          </a:lnRef>
+          <a:fillRef idx="1">
+            <a:schemeClr val="accent1"/>
+          </a:fillRef>
+          <a:effectRef idx="0">
+            <a:schemeClr val="accent1"/>
+          </a:effectRef>
+          <a:fontRef idx="minor">
+            <a:schemeClr val="lt1"/>
+          </a:fontRef>
+        </p:style>
+        <p:txBody>
+          <a:bodyPr vert="eaVert" rtlCol="0" anchor="ctr"/>
+          <a:lstStyle/>
+          <a:p>
+            <a:pPr algn="ctr"/>
+            <a:r>
+              <a:rPr lang="en-US" altLang="zh-CN" dirty="0" smtClean="0"/>
+              <a:t>col</a:t>
+            </a:r>
+            <a:endParaRPr lang="zh-CN" altLang="en-US" dirty="0"/>
+          </a:p>
+        </p:txBody>
+      </p:sp>
+      <p:sp>
+        <p:nvSpPr>
+          <p:cNvPr id="10" name="矩形 9"/>
+          <p:cNvSpPr/>
+          <p:nvPr/>
+        </p:nvSpPr>
+        <p:spPr>
+          <a:xfrm>
+            <a:off x="1688054" y="3420930"/>
+            <a:ext cx="775448" cy="1722569"/>
+          </a:xfrm>
+          <a:prstGeom prst="rect">
+            <a:avLst/>
+          </a:prstGeom>
+        </p:spPr>
+        <p:style>
+          <a:lnRef idx="2">
+            <a:schemeClr val="accent1">
+              <a:shade val="50000"/>
+            </a:schemeClr>
+          </a:lnRef>
+          <a:fillRef idx="1">
+            <a:schemeClr val="accent1"/>
+          </a:fillRef>
+          <a:effectRef idx="0">
+            <a:schemeClr val="accent1"/>
+          </a:effectRef>
+          <a:fontRef idx="minor">
+            <a:schemeClr val="lt1"/>
+          </a:fontRef>
+        </p:style>
+        <p:txBody>
+          <a:bodyPr vert="eaVert" rtlCol="0" anchor="ctr"/>
+          <a:lstStyle/>
+          <a:p>
+            <a:pPr algn="ctr"/>
+            <a:r>
+              <a:rPr lang="en-US" altLang="zh-CN" dirty="0" smtClean="0"/>
+              <a:t>Models</a:t>
+            </a:r>
+            <a:endParaRPr lang="en-US" altLang="zh-CN" sz="2400" dirty="0" smtClean="0"/>
+          </a:p>
+        </p:txBody>
+      </p:sp>
+      <p:sp>
+        <p:nvSpPr>
+          <p:cNvPr id="11" name="矩形 10"/>
+          <p:cNvSpPr/>
+          <p:nvPr/>
+        </p:nvSpPr>
+        <p:spPr>
+          <a:xfrm>
+            <a:off x="2463502" y="3420930"/>
+            <a:ext cx="914400" cy="914400"/>
+          </a:xfrm>
+          <a:prstGeom prst="rect">
+            <a:avLst/>
+          </a:prstGeom>
+        </p:spPr>
+        <p:style>
+          <a:lnRef idx="2">
+            <a:schemeClr val="accent1">
+              <a:shade val="50000"/>
+            </a:schemeClr>
+          </a:lnRef>
+          <a:fillRef idx="1">
+            <a:schemeClr val="accent1"/>
+          </a:fillRef>
+          <a:effectRef idx="0">
+            <a:schemeClr val="accent1"/>
+          </a:effectRef>
+          <a:fontRef idx="minor">
+            <a:schemeClr val="lt1"/>
+          </a:fontRef>
+        </p:style>
+        <p:txBody>
+          <a:bodyPr vert="eaVert" rtlCol="0" anchor="ctr"/>
+          <a:lstStyle/>
+          <a:p>
+            <a:pPr algn="ctr"/>
+            <a:r>
+              <a:rPr lang="en-US" altLang="zh-CN" dirty="0" err="1" smtClean="0"/>
+              <a:t>flds</a:t>
+            </a:r>
+            <a:endParaRPr lang="zh-CN" altLang="en-US" dirty="0"/>
           </a:p>
         </p:txBody>
       </p:sp>
     </p:spTree>
     <p:extLst>
       <p:ext uri="{BB962C8B-B14F-4D97-AF65-F5344CB8AC3E}">
-        <p14:creationId xmlns:p14="http://schemas.microsoft.com/office/powerpoint/2010/main" val="2094291111"/>
+        <p14:creationId xmlns:p14="http://schemas.microsoft.com/office/powerpoint/2010/main" val="2237307343"/>
       </p:ext>
     </p:extLst>
   </p:cSld>
@@ -3042,33 +3356,14 @@
       </p:grpSpPr>
       <p:sp>
         <p:nvSpPr>
-          <p:cNvPr id="2" name="标题 1"/>
-          <p:cNvSpPr>
-            <a:spLocks noGrp="1"/>
-          </p:cNvSpPr>
-          <p:nvPr>
-            <p:ph type="title"/>
-          </p:nvPr>
-        </p:nvSpPr>
-        <p:spPr/>
-        <p:txBody>
-          <a:bodyPr/>
-          <a:lstStyle/>
-          <a:p>
-            <a:endParaRPr lang="zh-CN" altLang="en-US" dirty="0"/>
-          </a:p>
-        </p:txBody>
-      </p:sp>
-      <p:sp>
-        <p:nvSpPr>
           <p:cNvPr id="4" name="矩形 3"/>
           <p:cNvSpPr/>
           <p:nvPr/>
         </p:nvSpPr>
         <p:spPr>
           <a:xfrm>
-            <a:off x="2463501" y="2183802"/>
-            <a:ext cx="5421854" cy="613186"/>
+            <a:off x="462517" y="2286000"/>
+            <a:ext cx="1387549" cy="839972"/>
           </a:xfrm>
           <a:prstGeom prst="rect">
             <a:avLst/>
@@ -3097,7 +3392,7 @@
             <a:pPr algn="ctr"/>
             <a:r>
               <a:rPr lang="en-US" altLang="zh-CN" dirty="0" smtClean="0"/>
-              <a:t>fields</a:t>
+              <a:t>decks</a:t>
             </a:r>
             <a:endParaRPr lang="zh-CN" altLang="en-US" dirty="0"/>
           </a:p>
@@ -3111,8 +3406,8 @@
         </p:nvSpPr>
         <p:spPr>
           <a:xfrm>
-            <a:off x="2463501" y="2796988"/>
-            <a:ext cx="1032734" cy="623943"/>
+            <a:off x="2502195" y="2286000"/>
+            <a:ext cx="1387549" cy="839972"/>
           </a:xfrm>
           <a:prstGeom prst="rect">
             <a:avLst/>
@@ -3141,7 +3436,7 @@
             <a:pPr algn="ctr"/>
             <a:r>
               <a:rPr lang="en-US" altLang="zh-CN" dirty="0" smtClean="0"/>
-              <a:t>field</a:t>
+              <a:t>models</a:t>
             </a:r>
             <a:endParaRPr lang="zh-CN" altLang="en-US" dirty="0"/>
           </a:p>
@@ -3155,8 +3450,8 @@
         </p:nvSpPr>
         <p:spPr>
           <a:xfrm>
-            <a:off x="4507453" y="2796988"/>
-            <a:ext cx="1032734" cy="623943"/>
+            <a:off x="4541873" y="1088065"/>
+            <a:ext cx="1387549" cy="839972"/>
           </a:xfrm>
           <a:prstGeom prst="rect">
             <a:avLst/>
@@ -3184,8 +3479,8 @@
           <a:p>
             <a:pPr algn="ctr"/>
             <a:r>
-              <a:rPr lang="en-US" altLang="zh-CN" dirty="0" smtClean="0"/>
-              <a:t>field</a:t>
+              <a:rPr lang="en-US" altLang="zh-CN" dirty="0" err="1" smtClean="0"/>
+              <a:t>flds</a:t>
             </a:r>
             <a:endParaRPr lang="zh-CN" altLang="en-US" dirty="0"/>
           </a:p>
@@ -3199,8 +3494,8 @@
         </p:nvSpPr>
         <p:spPr>
           <a:xfrm>
-            <a:off x="6852621" y="2796988"/>
-            <a:ext cx="1032734" cy="623943"/>
+            <a:off x="4541873" y="2254102"/>
+            <a:ext cx="1387549" cy="839972"/>
           </a:xfrm>
           <a:prstGeom prst="rect">
             <a:avLst/>
@@ -3228,8 +3523,8 @@
           <a:p>
             <a:pPr algn="ctr"/>
             <a:r>
-              <a:rPr lang="en-US" altLang="zh-CN" dirty="0" smtClean="0"/>
-              <a:t>field</a:t>
+              <a:rPr lang="en-US" altLang="zh-CN" dirty="0" err="1" smtClean="0"/>
+              <a:t>tmpls</a:t>
             </a:r>
             <a:endParaRPr lang="zh-CN" altLang="en-US" dirty="0"/>
           </a:p>
@@ -3243,8 +3538,8 @@
         </p:nvSpPr>
         <p:spPr>
           <a:xfrm>
-            <a:off x="3496235" y="2796988"/>
-            <a:ext cx="1032734" cy="623943"/>
+            <a:off x="4541873" y="3420139"/>
+            <a:ext cx="1387549" cy="839972"/>
           </a:xfrm>
           <a:prstGeom prst="rect">
             <a:avLst/>
@@ -3272,8 +3567,8 @@
           <a:p>
             <a:pPr algn="ctr"/>
             <a:r>
-              <a:rPr lang="en-US" altLang="zh-CN" dirty="0" smtClean="0"/>
-              <a:t>field</a:t>
+              <a:rPr lang="en-US" altLang="zh-CN" dirty="0" err="1" smtClean="0"/>
+              <a:t>css</a:t>
             </a:r>
             <a:endParaRPr lang="zh-CN" altLang="en-US" dirty="0"/>
           </a:p>
@@ -3281,14 +3576,14 @@
       </p:sp>
       <p:sp>
         <p:nvSpPr>
-          <p:cNvPr id="9" name="矩形 8"/>
+          <p:cNvPr id="10" name="矩形 9"/>
           <p:cNvSpPr/>
           <p:nvPr/>
         </p:nvSpPr>
         <p:spPr>
           <a:xfrm>
-            <a:off x="913503" y="3420931"/>
-            <a:ext cx="774550" cy="2850777"/>
+            <a:off x="6166884" y="1219200"/>
+            <a:ext cx="1594884" cy="513907"/>
           </a:xfrm>
           <a:prstGeom prst="rect">
             <a:avLst/>
@@ -3317,7 +3612,7 @@
             <a:pPr algn="ctr"/>
             <a:r>
               <a:rPr lang="en-US" altLang="zh-CN" dirty="0" smtClean="0"/>
-              <a:t>col</a:t>
+              <a:t>style</a:t>
             </a:r>
             <a:endParaRPr lang="zh-CN" altLang="en-US" dirty="0"/>
           </a:p>
@@ -3325,14 +3620,14 @@
       </p:sp>
       <p:sp>
         <p:nvSpPr>
-          <p:cNvPr id="10" name="矩形 9"/>
+          <p:cNvPr id="11" name="矩形 10"/>
           <p:cNvSpPr/>
           <p:nvPr/>
         </p:nvSpPr>
         <p:spPr>
           <a:xfrm>
-            <a:off x="1688054" y="3420931"/>
-            <a:ext cx="775448" cy="914400"/>
+            <a:off x="6166884" y="2137144"/>
+            <a:ext cx="1594884" cy="513907"/>
           </a:xfrm>
           <a:prstGeom prst="rect">
             <a:avLst/>
@@ -3360,30 +3655,67 @@
           <a:p>
             <a:pPr algn="ctr"/>
             <a:r>
-              <a:rPr lang="en-US" altLang="zh-CN" sz="1400" dirty="0" smtClean="0"/>
-              <a:t>Models</a:t>
-            </a:r>
-            <a:endParaRPr lang="en-US" altLang="zh-CN" dirty="0" smtClean="0"/>
+              <a:rPr lang="en-US" altLang="zh-CN" dirty="0" err="1" smtClean="0"/>
+              <a:t>qfmt</a:t>
+            </a:r>
+            <a:endParaRPr lang="zh-CN" altLang="en-US" dirty="0"/>
+          </a:p>
+        </p:txBody>
+      </p:sp>
+      <p:sp>
+        <p:nvSpPr>
+          <p:cNvPr id="12" name="矩形 11"/>
+          <p:cNvSpPr/>
+          <p:nvPr/>
+        </p:nvSpPr>
+        <p:spPr>
+          <a:xfrm>
+            <a:off x="6166884" y="2727251"/>
+            <a:ext cx="1594884" cy="513907"/>
+          </a:xfrm>
+          <a:prstGeom prst="rect">
+            <a:avLst/>
+          </a:prstGeom>
+        </p:spPr>
+        <p:style>
+          <a:lnRef idx="2">
+            <a:schemeClr val="accent1">
+              <a:shade val="50000"/>
+            </a:schemeClr>
+          </a:lnRef>
+          <a:fillRef idx="1">
+            <a:schemeClr val="accent1"/>
+          </a:fillRef>
+          <a:effectRef idx="0">
+            <a:schemeClr val="accent1"/>
+          </a:effectRef>
+          <a:fontRef idx="minor">
+            <a:schemeClr val="lt1"/>
+          </a:fontRef>
+        </p:style>
+        <p:txBody>
+          <a:bodyPr rtlCol="0" anchor="ctr"/>
+          <a:lstStyle/>
+          <a:p>
+            <a:pPr algn="ctr"/>
+            <a:r>
+              <a:rPr lang="en-US" altLang="zh-CN" dirty="0" err="1" smtClean="0"/>
+              <a:t>afmt</a:t>
+            </a:r>
+            <a:endParaRPr lang="zh-CN" altLang="en-US" dirty="0"/>
           </a:p>
         </p:txBody>
       </p:sp>
     </p:spTree>
     <p:extLst>
       <p:ext uri="{BB962C8B-B14F-4D97-AF65-F5344CB8AC3E}">
-        <p14:creationId xmlns:p14="http://schemas.microsoft.com/office/powerpoint/2010/main" val="2237307343"/>
+        <p14:creationId xmlns:p14="http://schemas.microsoft.com/office/powerpoint/2010/main" val="1218543121"/>
       </p:ext>
     </p:extLst>
   </p:cSld>
   <p:clrMapOvr>
     <a:masterClrMapping/>
   </p:clrMapOvr>
-  <p:timing>
-    <p:tnLst>
-      <p:par>
-        <p:cTn id="1" dur="indefinite" restart="never" nodeType="tmRoot"/>
-      </p:par>
-    </p:tnLst>
-  </p:timing>
 </p:sld>
 </file>
 
